--- a/docs/diagrams/UndoRedoNewCommand3StateListDiagram.pptx
+++ b/docs/diagrams/UndoRedoNewCommand3StateListDiagram.pptx
@@ -112,10 +112,6 @@
 </p:presentation>
 </file>
 
-<file path=ppt/revisionInfo.xml><?xml version="1.0" encoding="utf-8"?>
-<p1510:revInfo xmlns:a="http://schemas.openxmlformats.org/drawingml/2006/main" xmlns:r="http://schemas.openxmlformats.org/officeDocument/2006/relationships" xmlns:p1510="http://schemas.microsoft.com/office/powerpoint/2015/10/main"/>
-</file>
-
 <file path=ppt/slideLayouts/slideLayout1.xml><?xml version="1.0" encoding="utf-8"?>
 <p:sldLayout xmlns:a="http://schemas.openxmlformats.org/drawingml/2006/main" xmlns:r="http://schemas.openxmlformats.org/officeDocument/2006/relationships" xmlns:p="http://schemas.openxmlformats.org/presentationml/2006/main" type="title" preserve="1">
   <p:cSld name="Title Slide">
@@ -265,7 +261,7 @@
           <a:p>
             <a:fld id="{03EC4E3E-8101-482F-A883-8B55DAFF7C07}" type="datetimeFigureOut">
               <a:rPr lang="en-SG" smtClean="0"/>
-              <a:t>6/7/2018</a:t>
+              <a:t>11/11/2018</a:t>
             </a:fld>
             <a:endParaRPr lang="en-SG"/>
           </a:p>
@@ -465,7 +461,7 @@
           <a:p>
             <a:fld id="{03EC4E3E-8101-482F-A883-8B55DAFF7C07}" type="datetimeFigureOut">
               <a:rPr lang="en-SG" smtClean="0"/>
-              <a:t>6/7/2018</a:t>
+              <a:t>11/11/2018</a:t>
             </a:fld>
             <a:endParaRPr lang="en-SG"/>
           </a:p>
@@ -675,7 +671,7 @@
           <a:p>
             <a:fld id="{03EC4E3E-8101-482F-A883-8B55DAFF7C07}" type="datetimeFigureOut">
               <a:rPr lang="en-SG" smtClean="0"/>
-              <a:t>6/7/2018</a:t>
+              <a:t>11/11/2018</a:t>
             </a:fld>
             <a:endParaRPr lang="en-SG"/>
           </a:p>
@@ -875,7 +871,7 @@
           <a:p>
             <a:fld id="{03EC4E3E-8101-482F-A883-8B55DAFF7C07}" type="datetimeFigureOut">
               <a:rPr lang="en-SG" smtClean="0"/>
-              <a:t>6/7/2018</a:t>
+              <a:t>11/11/2018</a:t>
             </a:fld>
             <a:endParaRPr lang="en-SG"/>
           </a:p>
@@ -1151,7 +1147,7 @@
           <a:p>
             <a:fld id="{03EC4E3E-8101-482F-A883-8B55DAFF7C07}" type="datetimeFigureOut">
               <a:rPr lang="en-SG" smtClean="0"/>
-              <a:t>6/7/2018</a:t>
+              <a:t>11/11/2018</a:t>
             </a:fld>
             <a:endParaRPr lang="en-SG"/>
           </a:p>
@@ -1419,7 +1415,7 @@
           <a:p>
             <a:fld id="{03EC4E3E-8101-482F-A883-8B55DAFF7C07}" type="datetimeFigureOut">
               <a:rPr lang="en-SG" smtClean="0"/>
-              <a:t>6/7/2018</a:t>
+              <a:t>11/11/2018</a:t>
             </a:fld>
             <a:endParaRPr lang="en-SG"/>
           </a:p>
@@ -1834,7 +1830,7 @@
           <a:p>
             <a:fld id="{03EC4E3E-8101-482F-A883-8B55DAFF7C07}" type="datetimeFigureOut">
               <a:rPr lang="en-SG" smtClean="0"/>
-              <a:t>6/7/2018</a:t>
+              <a:t>11/11/2018</a:t>
             </a:fld>
             <a:endParaRPr lang="en-SG"/>
           </a:p>
@@ -1976,7 +1972,7 @@
           <a:p>
             <a:fld id="{03EC4E3E-8101-482F-A883-8B55DAFF7C07}" type="datetimeFigureOut">
               <a:rPr lang="en-SG" smtClean="0"/>
-              <a:t>6/7/2018</a:t>
+              <a:t>11/11/2018</a:t>
             </a:fld>
             <a:endParaRPr lang="en-SG"/>
           </a:p>
@@ -2089,7 +2085,7 @@
           <a:p>
             <a:fld id="{03EC4E3E-8101-482F-A883-8B55DAFF7C07}" type="datetimeFigureOut">
               <a:rPr lang="en-SG" smtClean="0"/>
-              <a:t>6/7/2018</a:t>
+              <a:t>11/11/2018</a:t>
             </a:fld>
             <a:endParaRPr lang="en-SG"/>
           </a:p>
@@ -2402,7 +2398,7 @@
           <a:p>
             <a:fld id="{03EC4E3E-8101-482F-A883-8B55DAFF7C07}" type="datetimeFigureOut">
               <a:rPr lang="en-SG" smtClean="0"/>
-              <a:t>6/7/2018</a:t>
+              <a:t>11/11/2018</a:t>
             </a:fld>
             <a:endParaRPr lang="en-SG"/>
           </a:p>
@@ -2691,7 +2687,7 @@
           <a:p>
             <a:fld id="{03EC4E3E-8101-482F-A883-8B55DAFF7C07}" type="datetimeFigureOut">
               <a:rPr lang="en-SG" smtClean="0"/>
-              <a:t>6/7/2018</a:t>
+              <a:t>11/11/2018</a:t>
             </a:fld>
             <a:endParaRPr lang="en-SG"/>
           </a:p>
@@ -2934,7 +2930,7 @@
           <a:p>
             <a:fld id="{03EC4E3E-8101-482F-A883-8B55DAFF7C07}" type="datetimeFigureOut">
               <a:rPr lang="en-SG" smtClean="0"/>
-              <a:t>6/7/2018</a:t>
+              <a:t>11/11/2018</a:t>
             </a:fld>
             <a:endParaRPr lang="en-SG"/>
           </a:p>
@@ -3425,26 +3421,64 @@
           <a:p>
             <a:pPr algn="ctr"/>
             <a:r>
-              <a:rPr lang="en-SG" dirty="0" err="1">
-                <a:latin typeface="Consolas" panose="020B0609020204030204" pitchFamily="49" charset="0"/>
-              </a:rPr>
-              <a:t>currentStatePointer</a:t>
-            </a:r>
-            <a:r>
               <a:rPr lang="en-SG" dirty="0">
                 <a:latin typeface="Consolas" panose="020B0609020204030204" pitchFamily="49" charset="0"/>
               </a:rPr>
-              <a:t> = 1</a:t>
-            </a:r>
-          </a:p>
-        </p:txBody>
-      </p:sp>
+              <a:t>currentStatePointer = 1</a:t>
+            </a:r>
+          </a:p>
+        </p:txBody>
+      </p:sp>
+      <p:cxnSp>
+        <p:nvCxnSpPr>
+          <p:cNvPr id="18" name="Straight Arrow Connector 17">
+            <a:extLst>
+              <a:ext uri="{FF2B5EF4-FFF2-40B4-BE49-F238E27FC236}">
+                <a16:creationId xmlns:a16="http://schemas.microsoft.com/office/drawing/2014/main" id="{2C7E497F-B97D-46E2-8C9C-D52263C33E33}"/>
+              </a:ext>
+            </a:extLst>
+          </p:cNvPr>
+          <p:cNvCxnSpPr>
+            <a:cxnSpLocks/>
+          </p:cNvCxnSpPr>
+          <p:nvPr/>
+        </p:nvCxnSpPr>
+        <p:spPr>
+          <a:xfrm flipV="1">
+            <a:off x="3685047" y="2038898"/>
+            <a:ext cx="0" cy="706873"/>
+          </a:xfrm>
+          <a:prstGeom prst="straightConnector1">
+            <a:avLst/>
+          </a:prstGeom>
+          <a:ln>
+            <a:solidFill>
+              <a:srgbClr val="C00000"/>
+            </a:solidFill>
+            <a:tailEnd type="triangle"/>
+          </a:ln>
+        </p:spPr>
+        <p:style>
+          <a:lnRef idx="1">
+            <a:schemeClr val="accent1"/>
+          </a:lnRef>
+          <a:fillRef idx="0">
+            <a:schemeClr val="accent1"/>
+          </a:fillRef>
+          <a:effectRef idx="0">
+            <a:schemeClr val="accent1"/>
+          </a:effectRef>
+          <a:fontRef idx="minor">
+            <a:schemeClr val="tx1"/>
+          </a:fontRef>
+        </p:style>
+      </p:cxnSp>
       <p:graphicFrame>
         <p:nvGraphicFramePr>
-          <p:cNvPr id="17" name="Table 16">
-            <a:extLst>
-              <a:ext uri="{FF2B5EF4-FFF2-40B4-BE49-F238E27FC236}">
-                <a16:creationId xmlns:a16="http://schemas.microsoft.com/office/drawing/2014/main" id="{F545FAB8-F1CE-4886-9BDE-E772BCB0A9C4}"/>
+          <p:cNvPr id="19" name="Table 18">
+            <a:extLst>
+              <a:ext uri="{FF2B5EF4-FFF2-40B4-BE49-F238E27FC236}">
+                <a16:creationId xmlns:a16="http://schemas.microsoft.com/office/drawing/2014/main" id="{BD077873-B5BA-4B8C-B9F3-8B3BF1D64BB4}"/>
               </a:ext>
             </a:extLst>
           </p:cNvPr>
@@ -3454,14 +3488,14 @@
           <p:nvPr>
             <p:extLst>
               <p:ext uri="{D42A27DB-BD31-4B8C-83A1-F6EECF244321}">
-                <p14:modId xmlns:p14="http://schemas.microsoft.com/office/powerpoint/2010/main" val="2776987765"/>
+                <p14:modId xmlns:p14="http://schemas.microsoft.com/office/powerpoint/2010/main" val="581992259"/>
               </p:ext>
             </p:extLst>
           </p:nvPr>
         </p:nvGraphicFramePr>
         <p:xfrm>
-          <a:off x="473240" y="1476102"/>
-          <a:ext cx="1825597" cy="417888"/>
+          <a:off x="495846" y="1536174"/>
+          <a:ext cx="2096326" cy="410363"/>
         </p:xfrm>
         <a:graphic>
           <a:graphicData uri="http://schemas.openxmlformats.org/drawingml/2006/table">
@@ -3470,7 +3504,7 @@
                 <a:tableStyleId>{638B1855-1B75-4FBE-930C-398BA8C253C6}</a:tableStyleId>
               </a:tblPr>
               <a:tblGrid>
-                <a:gridCol w="1825597">
+                <a:gridCol w="2096326">
                   <a:extLst>
                     <a:ext uri="{9D8B030D-6E8A-4147-A177-3AD203B41FA5}">
                       <a16:colId xmlns:a16="http://schemas.microsoft.com/office/drawing/2014/main" val="4240773277"/>
@@ -3478,19 +3512,20 @@
                   </a:extLst>
                 </a:gridCol>
               </a:tblGrid>
-              <a:tr h="417888">
+              <a:tr h="410363">
                 <a:tc>
                   <a:txBody>
                     <a:bodyPr/>
                     <a:lstStyle/>
                     <a:p>
+                      <a:pPr algn="ctr"/>
                       <a:r>
                         <a:rPr lang="en-SG" u="sng" dirty="0"/>
-                        <a:t>ab0:</a:t>
+                        <a:t>tdl0:</a:t>
                       </a:r>
                       <a:r>
                         <a:rPr lang="en-SG" sz="1800" u="sng" dirty="0"/>
-                        <a:t>AddressBook</a:t>
+                        <a:t>TrackedDataList</a:t>
                       </a:r>
                       <a:endParaRPr lang="en-SG" sz="1600" u="sng" dirty="0"/>
                     </a:p>
@@ -3509,13 +3544,19 @@
       </p:graphicFrame>
       <p:sp>
         <p:nvSpPr>
-          <p:cNvPr id="20" name="Rectangle 19"/>
+          <p:cNvPr id="23" name="Rectangle 22">
+            <a:extLst>
+              <a:ext uri="{FF2B5EF4-FFF2-40B4-BE49-F238E27FC236}">
+                <a16:creationId xmlns:a16="http://schemas.microsoft.com/office/drawing/2014/main" id="{89D6CE46-8B14-44DB-80F1-59CCE941AABC}"/>
+              </a:ext>
+            </a:extLst>
+          </p:cNvPr>
           <p:cNvSpPr/>
           <p:nvPr/>
         </p:nvSpPr>
         <p:spPr>
           <a:xfrm>
-            <a:off x="364797" y="1375953"/>
+            <a:off x="387404" y="1436025"/>
             <a:ext cx="11364686" cy="618187"/>
           </a:xfrm>
           <a:prstGeom prst="rect">
@@ -3553,60 +3594,91 @@
           </a:p>
         </p:txBody>
       </p:sp>
-      <p:sp>
-        <p:nvSpPr>
-          <p:cNvPr id="21" name="TextBox 20">
-            <a:extLst>
-              <a:ext uri="{FF2B5EF4-FFF2-40B4-BE49-F238E27FC236}">
-                <a16:creationId xmlns:a16="http://schemas.microsoft.com/office/drawing/2014/main" id="{3151A13B-9509-43FA-BFEB-1D9866A00B84}"/>
-              </a:ext>
-            </a:extLst>
-          </p:cNvPr>
-          <p:cNvSpPr txBox="1"/>
+      <p:graphicFrame>
+        <p:nvGraphicFramePr>
+          <p:cNvPr id="25" name="Table 24">
+            <a:extLst>
+              <a:ext uri="{FF2B5EF4-FFF2-40B4-BE49-F238E27FC236}">
+                <a16:creationId xmlns:a16="http://schemas.microsoft.com/office/drawing/2014/main" id="{98983883-508B-4DB2-88C1-252801BB927F}"/>
+              </a:ext>
+            </a:extLst>
+          </p:cNvPr>
+          <p:cNvGraphicFramePr>
+            <a:graphicFrameLocks noGrp="1"/>
+          </p:cNvGraphicFramePr>
+          <p:nvPr>
+            <p:extLst>
+              <p:ext uri="{D42A27DB-BD31-4B8C-83A1-F6EECF244321}">
+                <p14:modId xmlns:p14="http://schemas.microsoft.com/office/powerpoint/2010/main" val="885100420"/>
+              </p:ext>
+            </p:extLst>
+          </p:nvPr>
+        </p:nvGraphicFramePr>
+        <p:xfrm>
+          <a:off x="495846" y="873544"/>
+          <a:ext cx="2096326" cy="410363"/>
+        </p:xfrm>
+        <a:graphic>
+          <a:graphicData uri="http://schemas.openxmlformats.org/drawingml/2006/table">
+            <a:tbl>
+              <a:tblPr>
+                <a:tableStyleId>{638B1855-1B75-4FBE-930C-398BA8C253C6}</a:tableStyleId>
+              </a:tblPr>
+              <a:tblGrid>
+                <a:gridCol w="2096326">
+                  <a:extLst>
+                    <a:ext uri="{9D8B030D-6E8A-4147-A177-3AD203B41FA5}">
+                      <a16:colId xmlns:a16="http://schemas.microsoft.com/office/drawing/2014/main" val="4240773277"/>
+                    </a:ext>
+                  </a:extLst>
+                </a:gridCol>
+              </a:tblGrid>
+              <a:tr h="410363">
+                <a:tc>
+                  <a:txBody>
+                    <a:bodyPr/>
+                    <a:lstStyle/>
+                    <a:p>
+                      <a:pPr algn="ctr"/>
+                      <a:r>
+                        <a:rPr lang="en-SG" u="sng" dirty="0"/>
+                        <a:t>td0:</a:t>
+                      </a:r>
+                      <a:r>
+                        <a:rPr lang="en-SG" sz="1800" u="sng" dirty="0"/>
+                        <a:t>TrackedData</a:t>
+                      </a:r>
+                      <a:endParaRPr lang="en-SG" sz="1600" u="sng" dirty="0"/>
+                    </a:p>
+                  </a:txBody>
+                  <a:tcPr/>
+                </a:tc>
+                <a:extLst>
+                  <a:ext uri="{0D108BD9-81ED-4DB2-BD59-A6C34878D82A}">
+                    <a16:rowId xmlns:a16="http://schemas.microsoft.com/office/drawing/2014/main" val="2194462629"/>
+                  </a:ext>
+                </a:extLst>
+              </a:tr>
+            </a:tbl>
+          </a:graphicData>
+        </a:graphic>
+      </p:graphicFrame>
+      <p:sp>
+        <p:nvSpPr>
+          <p:cNvPr id="26" name="Rectangle 25">
+            <a:extLst>
+              <a:ext uri="{FF2B5EF4-FFF2-40B4-BE49-F238E27FC236}">
+                <a16:creationId xmlns:a16="http://schemas.microsoft.com/office/drawing/2014/main" id="{2E76505A-4258-4B81-84F9-F2DEE8C090C9}"/>
+              </a:ext>
+            </a:extLst>
+          </p:cNvPr>
+          <p:cNvSpPr/>
           <p:nvPr/>
         </p:nvSpPr>
         <p:spPr>
           <a:xfrm>
-            <a:off x="1844917" y="5180749"/>
-            <a:ext cx="3207000" cy="369332"/>
-          </a:xfrm>
-          <a:prstGeom prst="rect">
-            <a:avLst/>
-          </a:prstGeom>
-          <a:noFill/>
-        </p:spPr>
-        <p:txBody>
-          <a:bodyPr wrap="square" rtlCol="0">
-            <a:spAutoFit/>
-          </a:bodyPr>
-          <a:lstStyle/>
-          <a:p>
-            <a:pPr algn="ctr"/>
-            <a:r>
-              <a:rPr lang="en-SG" dirty="0" err="1">
-                <a:latin typeface="Consolas" panose="020B0609020204030204" pitchFamily="49" charset="0"/>
-              </a:rPr>
-              <a:t>currentStatePointer</a:t>
-            </a:r>
-            <a:r>
-              <a:rPr lang="en-SG" dirty="0">
-                <a:latin typeface="Consolas" panose="020B0609020204030204" pitchFamily="49" charset="0"/>
-              </a:rPr>
-              <a:t> = 1</a:t>
-            </a:r>
-          </a:p>
-        </p:txBody>
-      </p:sp>
-      <p:sp>
-        <p:nvSpPr>
-          <p:cNvPr id="24" name="Rectangle 23"/>
-          <p:cNvSpPr/>
-          <p:nvPr/>
-        </p:nvSpPr>
-        <p:spPr>
-          <a:xfrm>
-            <a:off x="387404" y="3838574"/>
-            <a:ext cx="11364686" cy="593918"/>
+            <a:off x="387404" y="773395"/>
+            <a:ext cx="11364686" cy="618187"/>
           </a:xfrm>
           <a:prstGeom prst="rect">
             <a:avLst/>
@@ -3645,10 +3717,10 @@
       </p:sp>
       <p:graphicFrame>
         <p:nvGraphicFramePr>
-          <p:cNvPr id="15" name="Table 14">
-            <a:extLst>
-              <a:ext uri="{FF2B5EF4-FFF2-40B4-BE49-F238E27FC236}">
-                <a16:creationId xmlns:a16="http://schemas.microsoft.com/office/drawing/2014/main" id="{F545FAB8-F1CE-4886-9BDE-E772BCB0A9C4}"/>
+          <p:cNvPr id="27" name="Table 26">
+            <a:extLst>
+              <a:ext uri="{FF2B5EF4-FFF2-40B4-BE49-F238E27FC236}">
+                <a16:creationId xmlns:a16="http://schemas.microsoft.com/office/drawing/2014/main" id="{89B81290-BA13-4FCA-BF83-97982E7756BD}"/>
               </a:ext>
             </a:extLst>
           </p:cNvPr>
@@ -3658,14 +3730,14 @@
           <p:nvPr>
             <p:extLst>
               <p:ext uri="{D42A27DB-BD31-4B8C-83A1-F6EECF244321}">
-                <p14:modId xmlns:p14="http://schemas.microsoft.com/office/powerpoint/2010/main" val="1878903007"/>
+                <p14:modId xmlns:p14="http://schemas.microsoft.com/office/powerpoint/2010/main" val="1215989030"/>
               </p:ext>
             </p:extLst>
           </p:nvPr>
         </p:nvGraphicFramePr>
         <p:xfrm>
-          <a:off x="4423446" y="1476102"/>
-          <a:ext cx="1825597" cy="417888"/>
+          <a:off x="495846" y="203372"/>
+          <a:ext cx="2096326" cy="410363"/>
         </p:xfrm>
         <a:graphic>
           <a:graphicData uri="http://schemas.openxmlformats.org/drawingml/2006/table">
@@ -3674,7 +3746,7 @@
                 <a:tableStyleId>{638B1855-1B75-4FBE-930C-398BA8C253C6}</a:tableStyleId>
               </a:tblPr>
               <a:tblGrid>
-                <a:gridCol w="1825597">
+                <a:gridCol w="2096326">
                   <a:extLst>
                     <a:ext uri="{9D8B030D-6E8A-4147-A177-3AD203B41FA5}">
                       <a16:colId xmlns:a16="http://schemas.microsoft.com/office/drawing/2014/main" val="4240773277"/>
@@ -3682,19 +3754,141 @@
                   </a:extLst>
                 </a:gridCol>
               </a:tblGrid>
-              <a:tr h="417888">
+              <a:tr h="410363">
                 <a:tc>
                   <a:txBody>
                     <a:bodyPr/>
                     <a:lstStyle/>
                     <a:p>
+                      <a:pPr algn="ctr"/>
                       <a:r>
                         <a:rPr lang="en-SG" u="sng" dirty="0"/>
-                        <a:t>ab2:</a:t>
+                        <a:t>wb0:</a:t>
                       </a:r>
                       <a:r>
                         <a:rPr lang="en-SG" sz="1800" u="sng" dirty="0"/>
-                        <a:t>AddressBook</a:t>
+                        <a:t>WorkoutBook</a:t>
+                      </a:r>
+                      <a:endParaRPr lang="en-SG" sz="1600" u="sng" dirty="0"/>
+                    </a:p>
+                  </a:txBody>
+                  <a:tcPr/>
+                </a:tc>
+                <a:extLst>
+                  <a:ext uri="{0D108BD9-81ED-4DB2-BD59-A6C34878D82A}">
+                    <a16:rowId xmlns:a16="http://schemas.microsoft.com/office/drawing/2014/main" val="2194462629"/>
+                  </a:ext>
+                </a:extLst>
+              </a:tr>
+            </a:tbl>
+          </a:graphicData>
+        </a:graphic>
+      </p:graphicFrame>
+      <p:sp>
+        <p:nvSpPr>
+          <p:cNvPr id="32" name="Rectangle 31">
+            <a:extLst>
+              <a:ext uri="{FF2B5EF4-FFF2-40B4-BE49-F238E27FC236}">
+                <a16:creationId xmlns:a16="http://schemas.microsoft.com/office/drawing/2014/main" id="{D3AD20D5-A13B-419C-8AA5-C5B9CACB840F}"/>
+              </a:ext>
+            </a:extLst>
+          </p:cNvPr>
+          <p:cNvSpPr/>
+          <p:nvPr/>
+        </p:nvSpPr>
+        <p:spPr>
+          <a:xfrm>
+            <a:off x="387404" y="103223"/>
+            <a:ext cx="11364686" cy="618187"/>
+          </a:xfrm>
+          <a:prstGeom prst="rect">
+            <a:avLst/>
+          </a:prstGeom>
+          <a:noFill/>
+          <a:ln>
+            <a:solidFill>
+              <a:schemeClr val="tx1"/>
+            </a:solidFill>
+          </a:ln>
+        </p:spPr>
+        <p:style>
+          <a:lnRef idx="2">
+            <a:schemeClr val="accent1">
+              <a:shade val="50000"/>
+            </a:schemeClr>
+          </a:lnRef>
+          <a:fillRef idx="1">
+            <a:schemeClr val="accent1"/>
+          </a:fillRef>
+          <a:effectRef idx="0">
+            <a:schemeClr val="accent1"/>
+          </a:effectRef>
+          <a:fontRef idx="minor">
+            <a:schemeClr val="lt1"/>
+          </a:fontRef>
+        </p:style>
+        <p:txBody>
+          <a:bodyPr rtlCol="0" anchor="ctr"/>
+          <a:lstStyle/>
+          <a:p>
+            <a:pPr algn="ctr"/>
+            <a:endParaRPr lang="en-US"/>
+          </a:p>
+        </p:txBody>
+      </p:sp>
+      <p:graphicFrame>
+        <p:nvGraphicFramePr>
+          <p:cNvPr id="33" name="Table 32">
+            <a:extLst>
+              <a:ext uri="{FF2B5EF4-FFF2-40B4-BE49-F238E27FC236}">
+                <a16:creationId xmlns:a16="http://schemas.microsoft.com/office/drawing/2014/main" id="{7ADAF2D9-0726-47FE-BD0E-696C4C676402}"/>
+              </a:ext>
+            </a:extLst>
+          </p:cNvPr>
+          <p:cNvGraphicFramePr>
+            <a:graphicFrameLocks noGrp="1"/>
+          </p:cNvGraphicFramePr>
+          <p:nvPr>
+            <p:extLst>
+              <p:ext uri="{D42A27DB-BD31-4B8C-83A1-F6EECF244321}">
+                <p14:modId xmlns:p14="http://schemas.microsoft.com/office/powerpoint/2010/main" val="2174107750"/>
+              </p:ext>
+            </p:extLst>
+          </p:nvPr>
+        </p:nvGraphicFramePr>
+        <p:xfrm>
+          <a:off x="2700614" y="1536174"/>
+          <a:ext cx="2096326" cy="410363"/>
+        </p:xfrm>
+        <a:graphic>
+          <a:graphicData uri="http://schemas.openxmlformats.org/drawingml/2006/table">
+            <a:tbl>
+              <a:tblPr>
+                <a:tableStyleId>{638B1855-1B75-4FBE-930C-398BA8C253C6}</a:tableStyleId>
+              </a:tblPr>
+              <a:tblGrid>
+                <a:gridCol w="2096326">
+                  <a:extLst>
+                    <a:ext uri="{9D8B030D-6E8A-4147-A177-3AD203B41FA5}">
+                      <a16:colId xmlns:a16="http://schemas.microsoft.com/office/drawing/2014/main" val="4240773277"/>
+                    </a:ext>
+                  </a:extLst>
+                </a:gridCol>
+              </a:tblGrid>
+              <a:tr h="410363">
+                <a:tc>
+                  <a:txBody>
+                    <a:bodyPr/>
+                    <a:lstStyle/>
+                    <a:p>
+                      <a:pPr algn="ctr"/>
+                      <a:r>
+                        <a:rPr lang="en-SG" u="sng" dirty="0"/>
+                        <a:t>tdl1:</a:t>
+                      </a:r>
+                      <a:r>
+                        <a:rPr lang="en-SG" sz="1800" u="sng" dirty="0"/>
+                        <a:t>TrackedDataList</a:t>
                       </a:r>
                       <a:endParaRPr lang="en-SG" sz="1600" u="sng" dirty="0"/>
                     </a:p>
@@ -3713,10 +3907,10 @@
       </p:graphicFrame>
       <p:graphicFrame>
         <p:nvGraphicFramePr>
-          <p:cNvPr id="28" name="Table 27">
-            <a:extLst>
-              <a:ext uri="{FF2B5EF4-FFF2-40B4-BE49-F238E27FC236}">
-                <a16:creationId xmlns:a16="http://schemas.microsoft.com/office/drawing/2014/main" id="{F545FAB8-F1CE-4886-9BDE-E772BCB0A9C4}"/>
+          <p:cNvPr id="34" name="Table 33">
+            <a:extLst>
+              <a:ext uri="{FF2B5EF4-FFF2-40B4-BE49-F238E27FC236}">
+                <a16:creationId xmlns:a16="http://schemas.microsoft.com/office/drawing/2014/main" id="{A93679F4-D611-4CFE-879B-B18935ACD37C}"/>
               </a:ext>
             </a:extLst>
           </p:cNvPr>
@@ -3726,14 +3920,14 @@
           <p:nvPr>
             <p:extLst>
               <p:ext uri="{D42A27DB-BD31-4B8C-83A1-F6EECF244321}">
-                <p14:modId xmlns:p14="http://schemas.microsoft.com/office/powerpoint/2010/main" val="547626409"/>
+                <p14:modId xmlns:p14="http://schemas.microsoft.com/office/powerpoint/2010/main" val="406667658"/>
               </p:ext>
             </p:extLst>
           </p:nvPr>
         </p:nvGraphicFramePr>
         <p:xfrm>
-          <a:off x="2448342" y="1476102"/>
-          <a:ext cx="1825597" cy="417888"/>
+          <a:off x="2700614" y="873544"/>
+          <a:ext cx="2096326" cy="410363"/>
         </p:xfrm>
         <a:graphic>
           <a:graphicData uri="http://schemas.openxmlformats.org/drawingml/2006/table">
@@ -3742,7 +3936,7 @@
                 <a:tableStyleId>{638B1855-1B75-4FBE-930C-398BA8C253C6}</a:tableStyleId>
               </a:tblPr>
               <a:tblGrid>
-                <a:gridCol w="1825597">
+                <a:gridCol w="2096326">
                   <a:extLst>
                     <a:ext uri="{9D8B030D-6E8A-4147-A177-3AD203B41FA5}">
                       <a16:colId xmlns:a16="http://schemas.microsoft.com/office/drawing/2014/main" val="4240773277"/>
@@ -3750,19 +3944,20 @@
                   </a:extLst>
                 </a:gridCol>
               </a:tblGrid>
-              <a:tr h="417888">
+              <a:tr h="410363">
                 <a:tc>
                   <a:txBody>
                     <a:bodyPr/>
                     <a:lstStyle/>
                     <a:p>
+                      <a:pPr algn="ctr"/>
                       <a:r>
                         <a:rPr lang="en-SG" u="sng" dirty="0"/>
-                        <a:t>ab1:</a:t>
+                        <a:t>td1:</a:t>
                       </a:r>
                       <a:r>
                         <a:rPr lang="en-SG" sz="1800" u="sng" dirty="0"/>
-                        <a:t>AddressBook</a:t>
+                        <a:t>TrackedData</a:t>
                       </a:r>
                       <a:endParaRPr lang="en-SG" sz="1600" u="sng" dirty="0"/>
                     </a:p>
@@ -3781,10 +3976,10 @@
       </p:graphicFrame>
       <p:graphicFrame>
         <p:nvGraphicFramePr>
-          <p:cNvPr id="29" name="Table 28">
-            <a:extLst>
-              <a:ext uri="{FF2B5EF4-FFF2-40B4-BE49-F238E27FC236}">
-                <a16:creationId xmlns:a16="http://schemas.microsoft.com/office/drawing/2014/main" id="{F545FAB8-F1CE-4886-9BDE-E772BCB0A9C4}"/>
+          <p:cNvPr id="35" name="Table 34">
+            <a:extLst>
+              <a:ext uri="{FF2B5EF4-FFF2-40B4-BE49-F238E27FC236}">
+                <a16:creationId xmlns:a16="http://schemas.microsoft.com/office/drawing/2014/main" id="{91689F90-89DC-4F35-86A9-0F0596A36A7B}"/>
               </a:ext>
             </a:extLst>
           </p:cNvPr>
@@ -3794,14 +3989,14 @@
           <p:nvPr>
             <p:extLst>
               <p:ext uri="{D42A27DB-BD31-4B8C-83A1-F6EECF244321}">
-                <p14:modId xmlns:p14="http://schemas.microsoft.com/office/powerpoint/2010/main" val="1824208515"/>
+                <p14:modId xmlns:p14="http://schemas.microsoft.com/office/powerpoint/2010/main" val="3606022234"/>
               </p:ext>
             </p:extLst>
           </p:nvPr>
         </p:nvGraphicFramePr>
         <p:xfrm>
-          <a:off x="473239" y="3926589"/>
-          <a:ext cx="1825597" cy="417888"/>
+          <a:off x="2700614" y="203372"/>
+          <a:ext cx="2096326" cy="410363"/>
         </p:xfrm>
         <a:graphic>
           <a:graphicData uri="http://schemas.openxmlformats.org/drawingml/2006/table">
@@ -3810,7 +4005,7 @@
                 <a:tableStyleId>{638B1855-1B75-4FBE-930C-398BA8C253C6}</a:tableStyleId>
               </a:tblPr>
               <a:tblGrid>
-                <a:gridCol w="1825597">
+                <a:gridCol w="2096326">
                   <a:extLst>
                     <a:ext uri="{9D8B030D-6E8A-4147-A177-3AD203B41FA5}">
                       <a16:colId xmlns:a16="http://schemas.microsoft.com/office/drawing/2014/main" val="4240773277"/>
@@ -3818,19 +4013,20 @@
                   </a:extLst>
                 </a:gridCol>
               </a:tblGrid>
-              <a:tr h="417888">
+              <a:tr h="410363">
                 <a:tc>
                   <a:txBody>
                     <a:bodyPr/>
                     <a:lstStyle/>
                     <a:p>
+                      <a:pPr algn="ctr"/>
                       <a:r>
                         <a:rPr lang="en-SG" u="sng" dirty="0"/>
-                        <a:t>ab0:</a:t>
+                        <a:t>wb1:</a:t>
                       </a:r>
                       <a:r>
                         <a:rPr lang="en-SG" sz="1800" u="sng" dirty="0"/>
-                        <a:t>AddressBook</a:t>
+                        <a:t>WorkoutBook</a:t>
                       </a:r>
                       <a:endParaRPr lang="en-SG" sz="1600" u="sng" dirty="0"/>
                     </a:p>
@@ -3849,10 +4045,10 @@
       </p:graphicFrame>
       <p:graphicFrame>
         <p:nvGraphicFramePr>
-          <p:cNvPr id="30" name="Table 29">
-            <a:extLst>
-              <a:ext uri="{FF2B5EF4-FFF2-40B4-BE49-F238E27FC236}">
-                <a16:creationId xmlns:a16="http://schemas.microsoft.com/office/drawing/2014/main" id="{F545FAB8-F1CE-4886-9BDE-E772BCB0A9C4}"/>
+          <p:cNvPr id="36" name="Table 35">
+            <a:extLst>
+              <a:ext uri="{FF2B5EF4-FFF2-40B4-BE49-F238E27FC236}">
+                <a16:creationId xmlns:a16="http://schemas.microsoft.com/office/drawing/2014/main" id="{A0491F37-C5FE-4A74-A4B0-54D1A3CA1342}"/>
               </a:ext>
             </a:extLst>
           </p:cNvPr>
@@ -3862,14 +4058,14 @@
           <p:nvPr>
             <p:extLst>
               <p:ext uri="{D42A27DB-BD31-4B8C-83A1-F6EECF244321}">
-                <p14:modId xmlns:p14="http://schemas.microsoft.com/office/powerpoint/2010/main" val="1414922247"/>
+                <p14:modId xmlns:p14="http://schemas.microsoft.com/office/powerpoint/2010/main" val="644313114"/>
               </p:ext>
             </p:extLst>
           </p:nvPr>
         </p:nvGraphicFramePr>
         <p:xfrm>
-          <a:off x="4423446" y="3926589"/>
-          <a:ext cx="1825597" cy="417888"/>
+          <a:off x="4894883" y="1537653"/>
+          <a:ext cx="2096326" cy="410363"/>
         </p:xfrm>
         <a:graphic>
           <a:graphicData uri="http://schemas.openxmlformats.org/drawingml/2006/table">
@@ -3878,7 +4074,7 @@
                 <a:tableStyleId>{638B1855-1B75-4FBE-930C-398BA8C253C6}</a:tableStyleId>
               </a:tblPr>
               <a:tblGrid>
-                <a:gridCol w="1825597">
+                <a:gridCol w="2096326">
                   <a:extLst>
                     <a:ext uri="{9D8B030D-6E8A-4147-A177-3AD203B41FA5}">
                       <a16:colId xmlns:a16="http://schemas.microsoft.com/office/drawing/2014/main" val="4240773277"/>
@@ -3886,19 +4082,20 @@
                   </a:extLst>
                 </a:gridCol>
               </a:tblGrid>
-              <a:tr h="417888">
+              <a:tr h="410363">
                 <a:tc>
                   <a:txBody>
                     <a:bodyPr/>
                     <a:lstStyle/>
                     <a:p>
+                      <a:pPr algn="ctr"/>
                       <a:r>
                         <a:rPr lang="en-SG" u="sng" dirty="0"/>
-                        <a:t>ab2:</a:t>
+                        <a:t>tdl2:</a:t>
                       </a:r>
                       <a:r>
                         <a:rPr lang="en-SG" sz="1800" u="sng" dirty="0"/>
-                        <a:t>AddressBook</a:t>
+                        <a:t>TrackedDataList</a:t>
                       </a:r>
                       <a:endParaRPr lang="en-SG" sz="1600" u="sng" dirty="0"/>
                     </a:p>
@@ -3917,10 +4114,10 @@
       </p:graphicFrame>
       <p:graphicFrame>
         <p:nvGraphicFramePr>
-          <p:cNvPr id="31" name="Table 30">
-            <a:extLst>
-              <a:ext uri="{FF2B5EF4-FFF2-40B4-BE49-F238E27FC236}">
-                <a16:creationId xmlns:a16="http://schemas.microsoft.com/office/drawing/2014/main" id="{F545FAB8-F1CE-4886-9BDE-E772BCB0A9C4}"/>
+          <p:cNvPr id="37" name="Table 36">
+            <a:extLst>
+              <a:ext uri="{FF2B5EF4-FFF2-40B4-BE49-F238E27FC236}">
+                <a16:creationId xmlns:a16="http://schemas.microsoft.com/office/drawing/2014/main" id="{66989AE5-6BBC-4E75-8634-26A87A98CB48}"/>
               </a:ext>
             </a:extLst>
           </p:cNvPr>
@@ -3930,14 +4127,14 @@
           <p:nvPr>
             <p:extLst>
               <p:ext uri="{D42A27DB-BD31-4B8C-83A1-F6EECF244321}">
-                <p14:modId xmlns:p14="http://schemas.microsoft.com/office/powerpoint/2010/main" val="1703544754"/>
+                <p14:modId xmlns:p14="http://schemas.microsoft.com/office/powerpoint/2010/main" val="372081136"/>
               </p:ext>
             </p:extLst>
           </p:nvPr>
         </p:nvGraphicFramePr>
         <p:xfrm>
-          <a:off x="2448343" y="3926589"/>
-          <a:ext cx="1825597" cy="417888"/>
+          <a:off x="4894883" y="875023"/>
+          <a:ext cx="2096326" cy="410363"/>
         </p:xfrm>
         <a:graphic>
           <a:graphicData uri="http://schemas.openxmlformats.org/drawingml/2006/table">
@@ -3946,7 +4143,7 @@
                 <a:tableStyleId>{638B1855-1B75-4FBE-930C-398BA8C253C6}</a:tableStyleId>
               </a:tblPr>
               <a:tblGrid>
-                <a:gridCol w="1825597">
+                <a:gridCol w="2096326">
                   <a:extLst>
                     <a:ext uri="{9D8B030D-6E8A-4147-A177-3AD203B41FA5}">
                       <a16:colId xmlns:a16="http://schemas.microsoft.com/office/drawing/2014/main" val="4240773277"/>
@@ -3954,19 +4151,20 @@
                   </a:extLst>
                 </a:gridCol>
               </a:tblGrid>
-              <a:tr h="417888">
+              <a:tr h="410363">
                 <a:tc>
                   <a:txBody>
                     <a:bodyPr/>
                     <a:lstStyle/>
                     <a:p>
+                      <a:pPr algn="ctr"/>
                       <a:r>
                         <a:rPr lang="en-SG" u="sng" dirty="0"/>
-                        <a:t>ab1:</a:t>
+                        <a:t>td2:</a:t>
                       </a:r>
                       <a:r>
                         <a:rPr lang="en-SG" sz="1800" u="sng" dirty="0"/>
-                        <a:t>AddressBook</a:t>
+                        <a:t>TrackedData</a:t>
                       </a:r>
                       <a:endParaRPr lang="en-SG" sz="1600" u="sng" dirty="0"/>
                     </a:p>
@@ -3983,12 +4181,119 @@
           </a:graphicData>
         </a:graphic>
       </p:graphicFrame>
+      <p:graphicFrame>
+        <p:nvGraphicFramePr>
+          <p:cNvPr id="38" name="Table 37">
+            <a:extLst>
+              <a:ext uri="{FF2B5EF4-FFF2-40B4-BE49-F238E27FC236}">
+                <a16:creationId xmlns:a16="http://schemas.microsoft.com/office/drawing/2014/main" id="{D443CF60-14DE-4517-9521-C416F9D7B5F5}"/>
+              </a:ext>
+            </a:extLst>
+          </p:cNvPr>
+          <p:cNvGraphicFramePr>
+            <a:graphicFrameLocks noGrp="1"/>
+          </p:cNvGraphicFramePr>
+          <p:nvPr>
+            <p:extLst>
+              <p:ext uri="{D42A27DB-BD31-4B8C-83A1-F6EECF244321}">
+                <p14:modId xmlns:p14="http://schemas.microsoft.com/office/powerpoint/2010/main" val="3885770485"/>
+              </p:ext>
+            </p:extLst>
+          </p:nvPr>
+        </p:nvGraphicFramePr>
+        <p:xfrm>
+          <a:off x="4894883" y="204851"/>
+          <a:ext cx="2096326" cy="410363"/>
+        </p:xfrm>
+        <a:graphic>
+          <a:graphicData uri="http://schemas.openxmlformats.org/drawingml/2006/table">
+            <a:tbl>
+              <a:tblPr>
+                <a:tableStyleId>{638B1855-1B75-4FBE-930C-398BA8C253C6}</a:tableStyleId>
+              </a:tblPr>
+              <a:tblGrid>
+                <a:gridCol w="2096326">
+                  <a:extLst>
+                    <a:ext uri="{9D8B030D-6E8A-4147-A177-3AD203B41FA5}">
+                      <a16:colId xmlns:a16="http://schemas.microsoft.com/office/drawing/2014/main" val="4240773277"/>
+                    </a:ext>
+                  </a:extLst>
+                </a:gridCol>
+              </a:tblGrid>
+              <a:tr h="410363">
+                <a:tc>
+                  <a:txBody>
+                    <a:bodyPr/>
+                    <a:lstStyle/>
+                    <a:p>
+                      <a:pPr algn="ctr"/>
+                      <a:r>
+                        <a:rPr lang="en-SG" u="sng" dirty="0"/>
+                        <a:t>wb2:</a:t>
+                      </a:r>
+                      <a:r>
+                        <a:rPr lang="en-SG" sz="1800" u="sng" dirty="0"/>
+                        <a:t>WorkoutBook</a:t>
+                      </a:r>
+                      <a:endParaRPr lang="en-SG" sz="1600" u="sng" dirty="0"/>
+                    </a:p>
+                  </a:txBody>
+                  <a:tcPr/>
+                </a:tc>
+                <a:extLst>
+                  <a:ext uri="{0D108BD9-81ED-4DB2-BD59-A6C34878D82A}">
+                    <a16:rowId xmlns:a16="http://schemas.microsoft.com/office/drawing/2014/main" val="2194462629"/>
+                  </a:ext>
+                </a:extLst>
+              </a:tr>
+            </a:tbl>
+          </a:graphicData>
+        </a:graphic>
+      </p:graphicFrame>
+      <p:sp>
+        <p:nvSpPr>
+          <p:cNvPr id="53" name="TextBox 52">
+            <a:extLst>
+              <a:ext uri="{FF2B5EF4-FFF2-40B4-BE49-F238E27FC236}">
+                <a16:creationId xmlns:a16="http://schemas.microsoft.com/office/drawing/2014/main" id="{EB3EEF7B-F8EE-4D78-A522-54E9B9F9EC48}"/>
+              </a:ext>
+            </a:extLst>
+          </p:cNvPr>
+          <p:cNvSpPr txBox="1"/>
+          <p:nvPr/>
+        </p:nvSpPr>
+        <p:spPr>
+          <a:xfrm>
+            <a:off x="1844917" y="6427695"/>
+            <a:ext cx="3207000" cy="369332"/>
+          </a:xfrm>
+          <a:prstGeom prst="rect">
+            <a:avLst/>
+          </a:prstGeom>
+          <a:noFill/>
+        </p:spPr>
+        <p:txBody>
+          <a:bodyPr wrap="square" rtlCol="0">
+            <a:spAutoFit/>
+          </a:bodyPr>
+          <a:lstStyle/>
+          <a:p>
+            <a:pPr algn="ctr"/>
+            <a:r>
+              <a:rPr lang="en-SG" dirty="0">
+                <a:latin typeface="Consolas" panose="020B0609020204030204" pitchFamily="49" charset="0"/>
+              </a:rPr>
+              <a:t>currentStatePointer = 1</a:t>
+            </a:r>
+          </a:p>
+        </p:txBody>
+      </p:sp>
       <p:cxnSp>
         <p:nvCxnSpPr>
-          <p:cNvPr id="18" name="Straight Arrow Connector 17">
-            <a:extLst>
-              <a:ext uri="{FF2B5EF4-FFF2-40B4-BE49-F238E27FC236}">
-                <a16:creationId xmlns:a16="http://schemas.microsoft.com/office/drawing/2014/main" id="{2C7E497F-B97D-46E2-8C9C-D52263C33E33}"/>
+          <p:cNvPr id="54" name="Straight Arrow Connector 53">
+            <a:extLst>
+              <a:ext uri="{FF2B5EF4-FFF2-40B4-BE49-F238E27FC236}">
+                <a16:creationId xmlns:a16="http://schemas.microsoft.com/office/drawing/2014/main" id="{E0F527DB-208F-4B7B-B850-BC4930D1C50C}"/>
               </a:ext>
             </a:extLst>
           </p:cNvPr>
@@ -3999,7 +4304,7 @@
         </p:nvCxnSpPr>
         <p:spPr>
           <a:xfrm flipV="1">
-            <a:off x="3338818" y="2038898"/>
+            <a:off x="3685047" y="5720822"/>
             <a:ext cx="0" cy="706873"/>
           </a:xfrm>
           <a:prstGeom prst="straightConnector1">
@@ -4027,50 +4332,783 @@
           </a:fontRef>
         </p:style>
       </p:cxnSp>
-      <p:cxnSp>
-        <p:nvCxnSpPr>
-          <p:cNvPr id="22" name="Straight Arrow Connector 21">
-            <a:extLst>
-              <a:ext uri="{FF2B5EF4-FFF2-40B4-BE49-F238E27FC236}">
-                <a16:creationId xmlns:a16="http://schemas.microsoft.com/office/drawing/2014/main" id="{D9B8CDF7-0D47-4F21-BF2D-957E827A9877}"/>
-              </a:ext>
-            </a:extLst>
-          </p:cNvPr>
-          <p:cNvCxnSpPr>
-            <a:cxnSpLocks/>
-          </p:cNvCxnSpPr>
+      <p:graphicFrame>
+        <p:nvGraphicFramePr>
+          <p:cNvPr id="55" name="Table 54">
+            <a:extLst>
+              <a:ext uri="{FF2B5EF4-FFF2-40B4-BE49-F238E27FC236}">
+                <a16:creationId xmlns:a16="http://schemas.microsoft.com/office/drawing/2014/main" id="{8A192941-C2FC-4C49-B940-40775120BAD8}"/>
+              </a:ext>
+            </a:extLst>
+          </p:cNvPr>
+          <p:cNvGraphicFramePr>
+            <a:graphicFrameLocks noGrp="1"/>
+          </p:cNvGraphicFramePr>
+          <p:nvPr>
+            <p:extLst>
+              <p:ext uri="{D42A27DB-BD31-4B8C-83A1-F6EECF244321}">
+                <p14:modId xmlns:p14="http://schemas.microsoft.com/office/powerpoint/2010/main" val="3224936639"/>
+              </p:ext>
+            </p:extLst>
+          </p:nvPr>
+        </p:nvGraphicFramePr>
+        <p:xfrm>
+          <a:off x="495846" y="5218098"/>
+          <a:ext cx="2096326" cy="410363"/>
+        </p:xfrm>
+        <a:graphic>
+          <a:graphicData uri="http://schemas.openxmlformats.org/drawingml/2006/table">
+            <a:tbl>
+              <a:tblPr>
+                <a:tableStyleId>{638B1855-1B75-4FBE-930C-398BA8C253C6}</a:tableStyleId>
+              </a:tblPr>
+              <a:tblGrid>
+                <a:gridCol w="2096326">
+                  <a:extLst>
+                    <a:ext uri="{9D8B030D-6E8A-4147-A177-3AD203B41FA5}">
+                      <a16:colId xmlns:a16="http://schemas.microsoft.com/office/drawing/2014/main" val="4240773277"/>
+                    </a:ext>
+                  </a:extLst>
+                </a:gridCol>
+              </a:tblGrid>
+              <a:tr h="410363">
+                <a:tc>
+                  <a:txBody>
+                    <a:bodyPr/>
+                    <a:lstStyle/>
+                    <a:p>
+                      <a:pPr algn="ctr"/>
+                      <a:r>
+                        <a:rPr lang="en-SG" u="sng" dirty="0"/>
+                        <a:t>tdl0:</a:t>
+                      </a:r>
+                      <a:r>
+                        <a:rPr lang="en-SG" sz="1800" u="sng" dirty="0"/>
+                        <a:t>TrackedDataList</a:t>
+                      </a:r>
+                      <a:endParaRPr lang="en-SG" sz="1600" u="sng" dirty="0"/>
+                    </a:p>
+                  </a:txBody>
+                  <a:tcPr/>
+                </a:tc>
+                <a:extLst>
+                  <a:ext uri="{0D108BD9-81ED-4DB2-BD59-A6C34878D82A}">
+                    <a16:rowId xmlns:a16="http://schemas.microsoft.com/office/drawing/2014/main" val="2194462629"/>
+                  </a:ext>
+                </a:extLst>
+              </a:tr>
+            </a:tbl>
+          </a:graphicData>
+        </a:graphic>
+      </p:graphicFrame>
+      <p:graphicFrame>
+        <p:nvGraphicFramePr>
+          <p:cNvPr id="56" name="Table 55">
+            <a:extLst>
+              <a:ext uri="{FF2B5EF4-FFF2-40B4-BE49-F238E27FC236}">
+                <a16:creationId xmlns:a16="http://schemas.microsoft.com/office/drawing/2014/main" id="{2C76242A-1993-44B3-942F-A7BE68CC1E21}"/>
+              </a:ext>
+            </a:extLst>
+          </p:cNvPr>
+          <p:cNvGraphicFramePr>
+            <a:graphicFrameLocks noGrp="1"/>
+          </p:cNvGraphicFramePr>
+          <p:nvPr>
+            <p:extLst>
+              <p:ext uri="{D42A27DB-BD31-4B8C-83A1-F6EECF244321}">
+                <p14:modId xmlns:p14="http://schemas.microsoft.com/office/powerpoint/2010/main" val="564071938"/>
+              </p:ext>
+            </p:extLst>
+          </p:nvPr>
+        </p:nvGraphicFramePr>
+        <p:xfrm>
+          <a:off x="495846" y="4555468"/>
+          <a:ext cx="2096326" cy="410363"/>
+        </p:xfrm>
+        <a:graphic>
+          <a:graphicData uri="http://schemas.openxmlformats.org/drawingml/2006/table">
+            <a:tbl>
+              <a:tblPr>
+                <a:tableStyleId>{638B1855-1B75-4FBE-930C-398BA8C253C6}</a:tableStyleId>
+              </a:tblPr>
+              <a:tblGrid>
+                <a:gridCol w="2096326">
+                  <a:extLst>
+                    <a:ext uri="{9D8B030D-6E8A-4147-A177-3AD203B41FA5}">
+                      <a16:colId xmlns:a16="http://schemas.microsoft.com/office/drawing/2014/main" val="4240773277"/>
+                    </a:ext>
+                  </a:extLst>
+                </a:gridCol>
+              </a:tblGrid>
+              <a:tr h="410363">
+                <a:tc>
+                  <a:txBody>
+                    <a:bodyPr/>
+                    <a:lstStyle/>
+                    <a:p>
+                      <a:pPr algn="ctr"/>
+                      <a:r>
+                        <a:rPr lang="en-SG" u="sng" dirty="0"/>
+                        <a:t>td0:</a:t>
+                      </a:r>
+                      <a:r>
+                        <a:rPr lang="en-SG" sz="1800" u="sng" dirty="0"/>
+                        <a:t>TrackedData</a:t>
+                      </a:r>
+                      <a:endParaRPr lang="en-SG" sz="1600" u="sng" dirty="0"/>
+                    </a:p>
+                  </a:txBody>
+                  <a:tcPr/>
+                </a:tc>
+                <a:extLst>
+                  <a:ext uri="{0D108BD9-81ED-4DB2-BD59-A6C34878D82A}">
+                    <a16:rowId xmlns:a16="http://schemas.microsoft.com/office/drawing/2014/main" val="2194462629"/>
+                  </a:ext>
+                </a:extLst>
+              </a:tr>
+            </a:tbl>
+          </a:graphicData>
+        </a:graphic>
+      </p:graphicFrame>
+      <p:sp>
+        <p:nvSpPr>
+          <p:cNvPr id="57" name="Rectangle 56">
+            <a:extLst>
+              <a:ext uri="{FF2B5EF4-FFF2-40B4-BE49-F238E27FC236}">
+                <a16:creationId xmlns:a16="http://schemas.microsoft.com/office/drawing/2014/main" id="{AE8EC1B5-8201-44BE-86FF-ABB5116DDA1E}"/>
+              </a:ext>
+            </a:extLst>
+          </p:cNvPr>
+          <p:cNvSpPr/>
           <p:nvPr/>
-        </p:nvCxnSpPr>
+        </p:nvSpPr>
         <p:spPr>
-          <a:xfrm flipV="1">
-            <a:off x="3302417" y="4496762"/>
-            <a:ext cx="0" cy="706873"/>
+          <a:xfrm>
+            <a:off x="387404" y="4455319"/>
+            <a:ext cx="11364686" cy="618187"/>
           </a:xfrm>
-          <a:prstGeom prst="straightConnector1">
+          <a:prstGeom prst="rect">
             <a:avLst/>
           </a:prstGeom>
+          <a:noFill/>
           <a:ln>
             <a:solidFill>
-              <a:srgbClr val="C00000"/>
+              <a:schemeClr val="tx1"/>
             </a:solidFill>
-            <a:tailEnd type="triangle"/>
           </a:ln>
         </p:spPr>
         <p:style>
-          <a:lnRef idx="1">
-            <a:schemeClr val="accent1"/>
+          <a:lnRef idx="2">
+            <a:schemeClr val="accent1">
+              <a:shade val="50000"/>
+            </a:schemeClr>
           </a:lnRef>
-          <a:fillRef idx="0">
+          <a:fillRef idx="1">
             <a:schemeClr val="accent1"/>
           </a:fillRef>
           <a:effectRef idx="0">
             <a:schemeClr val="accent1"/>
           </a:effectRef>
           <a:fontRef idx="minor">
-            <a:schemeClr val="tx1"/>
+            <a:schemeClr val="lt1"/>
           </a:fontRef>
         </p:style>
-      </p:cxnSp>
+        <p:txBody>
+          <a:bodyPr rtlCol="0" anchor="ctr"/>
+          <a:lstStyle/>
+          <a:p>
+            <a:pPr algn="ctr"/>
+            <a:endParaRPr lang="en-US"/>
+          </a:p>
+        </p:txBody>
+      </p:sp>
+      <p:graphicFrame>
+        <p:nvGraphicFramePr>
+          <p:cNvPr id="58" name="Table 57">
+            <a:extLst>
+              <a:ext uri="{FF2B5EF4-FFF2-40B4-BE49-F238E27FC236}">
+                <a16:creationId xmlns:a16="http://schemas.microsoft.com/office/drawing/2014/main" id="{3DCF211D-1EF9-425F-9BA9-632DB5400F12}"/>
+              </a:ext>
+            </a:extLst>
+          </p:cNvPr>
+          <p:cNvGraphicFramePr>
+            <a:graphicFrameLocks noGrp="1"/>
+          </p:cNvGraphicFramePr>
+          <p:nvPr>
+            <p:extLst>
+              <p:ext uri="{D42A27DB-BD31-4B8C-83A1-F6EECF244321}">
+                <p14:modId xmlns:p14="http://schemas.microsoft.com/office/powerpoint/2010/main" val="3753684432"/>
+              </p:ext>
+            </p:extLst>
+          </p:nvPr>
+        </p:nvGraphicFramePr>
+        <p:xfrm>
+          <a:off x="495846" y="3885296"/>
+          <a:ext cx="2096326" cy="410363"/>
+        </p:xfrm>
+        <a:graphic>
+          <a:graphicData uri="http://schemas.openxmlformats.org/drawingml/2006/table">
+            <a:tbl>
+              <a:tblPr>
+                <a:tableStyleId>{638B1855-1B75-4FBE-930C-398BA8C253C6}</a:tableStyleId>
+              </a:tblPr>
+              <a:tblGrid>
+                <a:gridCol w="2096326">
+                  <a:extLst>
+                    <a:ext uri="{9D8B030D-6E8A-4147-A177-3AD203B41FA5}">
+                      <a16:colId xmlns:a16="http://schemas.microsoft.com/office/drawing/2014/main" val="4240773277"/>
+                    </a:ext>
+                  </a:extLst>
+                </a:gridCol>
+              </a:tblGrid>
+              <a:tr h="410363">
+                <a:tc>
+                  <a:txBody>
+                    <a:bodyPr/>
+                    <a:lstStyle/>
+                    <a:p>
+                      <a:pPr algn="ctr"/>
+                      <a:r>
+                        <a:rPr lang="en-SG" u="sng" dirty="0"/>
+                        <a:t>wb0:</a:t>
+                      </a:r>
+                      <a:r>
+                        <a:rPr lang="en-SG" sz="1800" u="sng" dirty="0"/>
+                        <a:t>WorkoutBook</a:t>
+                      </a:r>
+                      <a:endParaRPr lang="en-SG" sz="1600" u="sng" dirty="0"/>
+                    </a:p>
+                  </a:txBody>
+                  <a:tcPr/>
+                </a:tc>
+                <a:extLst>
+                  <a:ext uri="{0D108BD9-81ED-4DB2-BD59-A6C34878D82A}">
+                    <a16:rowId xmlns:a16="http://schemas.microsoft.com/office/drawing/2014/main" val="2194462629"/>
+                  </a:ext>
+                </a:extLst>
+              </a:tr>
+            </a:tbl>
+          </a:graphicData>
+        </a:graphic>
+      </p:graphicFrame>
+      <p:sp>
+        <p:nvSpPr>
+          <p:cNvPr id="59" name="Rectangle 58">
+            <a:extLst>
+              <a:ext uri="{FF2B5EF4-FFF2-40B4-BE49-F238E27FC236}">
+                <a16:creationId xmlns:a16="http://schemas.microsoft.com/office/drawing/2014/main" id="{FD4EF394-40A1-495D-BC71-D5323C37D726}"/>
+              </a:ext>
+            </a:extLst>
+          </p:cNvPr>
+          <p:cNvSpPr/>
+          <p:nvPr/>
+        </p:nvSpPr>
+        <p:spPr>
+          <a:xfrm>
+            <a:off x="387404" y="3785147"/>
+            <a:ext cx="11364686" cy="618187"/>
+          </a:xfrm>
+          <a:prstGeom prst="rect">
+            <a:avLst/>
+          </a:prstGeom>
+          <a:noFill/>
+          <a:ln>
+            <a:solidFill>
+              <a:schemeClr val="tx1"/>
+            </a:solidFill>
+          </a:ln>
+        </p:spPr>
+        <p:style>
+          <a:lnRef idx="2">
+            <a:schemeClr val="accent1">
+              <a:shade val="50000"/>
+            </a:schemeClr>
+          </a:lnRef>
+          <a:fillRef idx="1">
+            <a:schemeClr val="accent1"/>
+          </a:fillRef>
+          <a:effectRef idx="0">
+            <a:schemeClr val="accent1"/>
+          </a:effectRef>
+          <a:fontRef idx="minor">
+            <a:schemeClr val="lt1"/>
+          </a:fontRef>
+        </p:style>
+        <p:txBody>
+          <a:bodyPr rtlCol="0" anchor="ctr"/>
+          <a:lstStyle/>
+          <a:p>
+            <a:pPr algn="ctr"/>
+            <a:endParaRPr lang="en-US"/>
+          </a:p>
+        </p:txBody>
+      </p:sp>
+      <p:graphicFrame>
+        <p:nvGraphicFramePr>
+          <p:cNvPr id="60" name="Table 59">
+            <a:extLst>
+              <a:ext uri="{FF2B5EF4-FFF2-40B4-BE49-F238E27FC236}">
+                <a16:creationId xmlns:a16="http://schemas.microsoft.com/office/drawing/2014/main" id="{73E4814D-2D62-4232-BCD7-3A2F085C5DCC}"/>
+              </a:ext>
+            </a:extLst>
+          </p:cNvPr>
+          <p:cNvGraphicFramePr>
+            <a:graphicFrameLocks noGrp="1"/>
+          </p:cNvGraphicFramePr>
+          <p:nvPr>
+            <p:extLst>
+              <p:ext uri="{D42A27DB-BD31-4B8C-83A1-F6EECF244321}">
+                <p14:modId xmlns:p14="http://schemas.microsoft.com/office/powerpoint/2010/main" val="68276964"/>
+              </p:ext>
+            </p:extLst>
+          </p:nvPr>
+        </p:nvGraphicFramePr>
+        <p:xfrm>
+          <a:off x="2700614" y="5218098"/>
+          <a:ext cx="2096326" cy="410363"/>
+        </p:xfrm>
+        <a:graphic>
+          <a:graphicData uri="http://schemas.openxmlformats.org/drawingml/2006/table">
+            <a:tbl>
+              <a:tblPr>
+                <a:tableStyleId>{638B1855-1B75-4FBE-930C-398BA8C253C6}</a:tableStyleId>
+              </a:tblPr>
+              <a:tblGrid>
+                <a:gridCol w="2096326">
+                  <a:extLst>
+                    <a:ext uri="{9D8B030D-6E8A-4147-A177-3AD203B41FA5}">
+                      <a16:colId xmlns:a16="http://schemas.microsoft.com/office/drawing/2014/main" val="4240773277"/>
+                    </a:ext>
+                  </a:extLst>
+                </a:gridCol>
+              </a:tblGrid>
+              <a:tr h="410363">
+                <a:tc>
+                  <a:txBody>
+                    <a:bodyPr/>
+                    <a:lstStyle/>
+                    <a:p>
+                      <a:pPr algn="ctr"/>
+                      <a:r>
+                        <a:rPr lang="en-SG" u="sng" dirty="0"/>
+                        <a:t>tdl1:</a:t>
+                      </a:r>
+                      <a:r>
+                        <a:rPr lang="en-SG" sz="1800" u="sng" dirty="0"/>
+                        <a:t>TrackedDataList</a:t>
+                      </a:r>
+                      <a:endParaRPr lang="en-SG" sz="1600" u="sng" dirty="0"/>
+                    </a:p>
+                  </a:txBody>
+                  <a:tcPr/>
+                </a:tc>
+                <a:extLst>
+                  <a:ext uri="{0D108BD9-81ED-4DB2-BD59-A6C34878D82A}">
+                    <a16:rowId xmlns:a16="http://schemas.microsoft.com/office/drawing/2014/main" val="2194462629"/>
+                  </a:ext>
+                </a:extLst>
+              </a:tr>
+            </a:tbl>
+          </a:graphicData>
+        </a:graphic>
+      </p:graphicFrame>
+      <p:graphicFrame>
+        <p:nvGraphicFramePr>
+          <p:cNvPr id="61" name="Table 60">
+            <a:extLst>
+              <a:ext uri="{FF2B5EF4-FFF2-40B4-BE49-F238E27FC236}">
+                <a16:creationId xmlns:a16="http://schemas.microsoft.com/office/drawing/2014/main" id="{A883F6D7-DAD1-47CE-8138-594088D78E6A}"/>
+              </a:ext>
+            </a:extLst>
+          </p:cNvPr>
+          <p:cNvGraphicFramePr>
+            <a:graphicFrameLocks noGrp="1"/>
+          </p:cNvGraphicFramePr>
+          <p:nvPr>
+            <p:extLst>
+              <p:ext uri="{D42A27DB-BD31-4B8C-83A1-F6EECF244321}">
+                <p14:modId xmlns:p14="http://schemas.microsoft.com/office/powerpoint/2010/main" val="1704949957"/>
+              </p:ext>
+            </p:extLst>
+          </p:nvPr>
+        </p:nvGraphicFramePr>
+        <p:xfrm>
+          <a:off x="2700614" y="4555468"/>
+          <a:ext cx="2096326" cy="410363"/>
+        </p:xfrm>
+        <a:graphic>
+          <a:graphicData uri="http://schemas.openxmlformats.org/drawingml/2006/table">
+            <a:tbl>
+              <a:tblPr>
+                <a:tableStyleId>{638B1855-1B75-4FBE-930C-398BA8C253C6}</a:tableStyleId>
+              </a:tblPr>
+              <a:tblGrid>
+                <a:gridCol w="2096326">
+                  <a:extLst>
+                    <a:ext uri="{9D8B030D-6E8A-4147-A177-3AD203B41FA5}">
+                      <a16:colId xmlns:a16="http://schemas.microsoft.com/office/drawing/2014/main" val="4240773277"/>
+                    </a:ext>
+                  </a:extLst>
+                </a:gridCol>
+              </a:tblGrid>
+              <a:tr h="410363">
+                <a:tc>
+                  <a:txBody>
+                    <a:bodyPr/>
+                    <a:lstStyle/>
+                    <a:p>
+                      <a:pPr algn="ctr"/>
+                      <a:r>
+                        <a:rPr lang="en-SG" u="sng" dirty="0"/>
+                        <a:t>td1:</a:t>
+                      </a:r>
+                      <a:r>
+                        <a:rPr lang="en-SG" sz="1800" u="sng" dirty="0"/>
+                        <a:t>TrackedData</a:t>
+                      </a:r>
+                      <a:endParaRPr lang="en-SG" sz="1600" u="sng" dirty="0"/>
+                    </a:p>
+                  </a:txBody>
+                  <a:tcPr/>
+                </a:tc>
+                <a:extLst>
+                  <a:ext uri="{0D108BD9-81ED-4DB2-BD59-A6C34878D82A}">
+                    <a16:rowId xmlns:a16="http://schemas.microsoft.com/office/drawing/2014/main" val="2194462629"/>
+                  </a:ext>
+                </a:extLst>
+              </a:tr>
+            </a:tbl>
+          </a:graphicData>
+        </a:graphic>
+      </p:graphicFrame>
+      <p:graphicFrame>
+        <p:nvGraphicFramePr>
+          <p:cNvPr id="62" name="Table 61">
+            <a:extLst>
+              <a:ext uri="{FF2B5EF4-FFF2-40B4-BE49-F238E27FC236}">
+                <a16:creationId xmlns:a16="http://schemas.microsoft.com/office/drawing/2014/main" id="{396B5444-624E-43AA-8524-BB606433A1C2}"/>
+              </a:ext>
+            </a:extLst>
+          </p:cNvPr>
+          <p:cNvGraphicFramePr>
+            <a:graphicFrameLocks noGrp="1"/>
+          </p:cNvGraphicFramePr>
+          <p:nvPr>
+            <p:extLst>
+              <p:ext uri="{D42A27DB-BD31-4B8C-83A1-F6EECF244321}">
+                <p14:modId xmlns:p14="http://schemas.microsoft.com/office/powerpoint/2010/main" val="1282097222"/>
+              </p:ext>
+            </p:extLst>
+          </p:nvPr>
+        </p:nvGraphicFramePr>
+        <p:xfrm>
+          <a:off x="2700614" y="3885296"/>
+          <a:ext cx="2096326" cy="410363"/>
+        </p:xfrm>
+        <a:graphic>
+          <a:graphicData uri="http://schemas.openxmlformats.org/drawingml/2006/table">
+            <a:tbl>
+              <a:tblPr>
+                <a:tableStyleId>{638B1855-1B75-4FBE-930C-398BA8C253C6}</a:tableStyleId>
+              </a:tblPr>
+              <a:tblGrid>
+                <a:gridCol w="2096326">
+                  <a:extLst>
+                    <a:ext uri="{9D8B030D-6E8A-4147-A177-3AD203B41FA5}">
+                      <a16:colId xmlns:a16="http://schemas.microsoft.com/office/drawing/2014/main" val="4240773277"/>
+                    </a:ext>
+                  </a:extLst>
+                </a:gridCol>
+              </a:tblGrid>
+              <a:tr h="410363">
+                <a:tc>
+                  <a:txBody>
+                    <a:bodyPr/>
+                    <a:lstStyle/>
+                    <a:p>
+                      <a:pPr algn="ctr"/>
+                      <a:r>
+                        <a:rPr lang="en-SG" u="sng" dirty="0"/>
+                        <a:t>wb1:</a:t>
+                      </a:r>
+                      <a:r>
+                        <a:rPr lang="en-SG" sz="1800" u="sng" dirty="0"/>
+                        <a:t>WorkoutBook</a:t>
+                      </a:r>
+                      <a:endParaRPr lang="en-SG" sz="1600" u="sng" dirty="0"/>
+                    </a:p>
+                  </a:txBody>
+                  <a:tcPr/>
+                </a:tc>
+                <a:extLst>
+                  <a:ext uri="{0D108BD9-81ED-4DB2-BD59-A6C34878D82A}">
+                    <a16:rowId xmlns:a16="http://schemas.microsoft.com/office/drawing/2014/main" val="2194462629"/>
+                  </a:ext>
+                </a:extLst>
+              </a:tr>
+            </a:tbl>
+          </a:graphicData>
+        </a:graphic>
+      </p:graphicFrame>
+      <p:graphicFrame>
+        <p:nvGraphicFramePr>
+          <p:cNvPr id="63" name="Table 62">
+            <a:extLst>
+              <a:ext uri="{FF2B5EF4-FFF2-40B4-BE49-F238E27FC236}">
+                <a16:creationId xmlns:a16="http://schemas.microsoft.com/office/drawing/2014/main" id="{B187B00F-597B-4458-B55D-406CA7634670}"/>
+              </a:ext>
+            </a:extLst>
+          </p:cNvPr>
+          <p:cNvGraphicFramePr>
+            <a:graphicFrameLocks noGrp="1"/>
+          </p:cNvGraphicFramePr>
+          <p:nvPr>
+            <p:extLst>
+              <p:ext uri="{D42A27DB-BD31-4B8C-83A1-F6EECF244321}">
+                <p14:modId xmlns:p14="http://schemas.microsoft.com/office/powerpoint/2010/main" val="4050487833"/>
+              </p:ext>
+            </p:extLst>
+          </p:nvPr>
+        </p:nvGraphicFramePr>
+        <p:xfrm>
+          <a:off x="4894883" y="5219577"/>
+          <a:ext cx="2096326" cy="410363"/>
+        </p:xfrm>
+        <a:graphic>
+          <a:graphicData uri="http://schemas.openxmlformats.org/drawingml/2006/table">
+            <a:tbl>
+              <a:tblPr>
+                <a:tableStyleId>{638B1855-1B75-4FBE-930C-398BA8C253C6}</a:tableStyleId>
+              </a:tblPr>
+              <a:tblGrid>
+                <a:gridCol w="2096326">
+                  <a:extLst>
+                    <a:ext uri="{9D8B030D-6E8A-4147-A177-3AD203B41FA5}">
+                      <a16:colId xmlns:a16="http://schemas.microsoft.com/office/drawing/2014/main" val="4240773277"/>
+                    </a:ext>
+                  </a:extLst>
+                </a:gridCol>
+              </a:tblGrid>
+              <a:tr h="410363">
+                <a:tc>
+                  <a:txBody>
+                    <a:bodyPr/>
+                    <a:lstStyle/>
+                    <a:p>
+                      <a:pPr algn="ctr"/>
+                      <a:r>
+                        <a:rPr lang="en-SG" u="sng" dirty="0"/>
+                        <a:t>tdl2:</a:t>
+                      </a:r>
+                      <a:r>
+                        <a:rPr lang="en-SG" sz="1800" u="sng" dirty="0"/>
+                        <a:t>TrackedDataList</a:t>
+                      </a:r>
+                      <a:endParaRPr lang="en-SG" sz="1600" u="sng" dirty="0"/>
+                    </a:p>
+                  </a:txBody>
+                  <a:tcPr/>
+                </a:tc>
+                <a:extLst>
+                  <a:ext uri="{0D108BD9-81ED-4DB2-BD59-A6C34878D82A}">
+                    <a16:rowId xmlns:a16="http://schemas.microsoft.com/office/drawing/2014/main" val="2194462629"/>
+                  </a:ext>
+                </a:extLst>
+              </a:tr>
+            </a:tbl>
+          </a:graphicData>
+        </a:graphic>
+      </p:graphicFrame>
+      <p:graphicFrame>
+        <p:nvGraphicFramePr>
+          <p:cNvPr id="64" name="Table 63">
+            <a:extLst>
+              <a:ext uri="{FF2B5EF4-FFF2-40B4-BE49-F238E27FC236}">
+                <a16:creationId xmlns:a16="http://schemas.microsoft.com/office/drawing/2014/main" id="{6A557D6E-FBB2-4795-B3EF-786087967619}"/>
+              </a:ext>
+            </a:extLst>
+          </p:cNvPr>
+          <p:cNvGraphicFramePr>
+            <a:graphicFrameLocks noGrp="1"/>
+          </p:cNvGraphicFramePr>
+          <p:nvPr>
+            <p:extLst>
+              <p:ext uri="{D42A27DB-BD31-4B8C-83A1-F6EECF244321}">
+                <p14:modId xmlns:p14="http://schemas.microsoft.com/office/powerpoint/2010/main" val="2565341240"/>
+              </p:ext>
+            </p:extLst>
+          </p:nvPr>
+        </p:nvGraphicFramePr>
+        <p:xfrm>
+          <a:off x="4894883" y="4556947"/>
+          <a:ext cx="2096326" cy="410363"/>
+        </p:xfrm>
+        <a:graphic>
+          <a:graphicData uri="http://schemas.openxmlformats.org/drawingml/2006/table">
+            <a:tbl>
+              <a:tblPr>
+                <a:tableStyleId>{638B1855-1B75-4FBE-930C-398BA8C253C6}</a:tableStyleId>
+              </a:tblPr>
+              <a:tblGrid>
+                <a:gridCol w="2096326">
+                  <a:extLst>
+                    <a:ext uri="{9D8B030D-6E8A-4147-A177-3AD203B41FA5}">
+                      <a16:colId xmlns:a16="http://schemas.microsoft.com/office/drawing/2014/main" val="4240773277"/>
+                    </a:ext>
+                  </a:extLst>
+                </a:gridCol>
+              </a:tblGrid>
+              <a:tr h="410363">
+                <a:tc>
+                  <a:txBody>
+                    <a:bodyPr/>
+                    <a:lstStyle/>
+                    <a:p>
+                      <a:pPr algn="ctr"/>
+                      <a:r>
+                        <a:rPr lang="en-SG" u="sng" dirty="0"/>
+                        <a:t>td2:</a:t>
+                      </a:r>
+                      <a:r>
+                        <a:rPr lang="en-SG" sz="1800" u="sng" dirty="0"/>
+                        <a:t>TrackedData</a:t>
+                      </a:r>
+                      <a:endParaRPr lang="en-SG" sz="1600" u="sng" dirty="0"/>
+                    </a:p>
+                  </a:txBody>
+                  <a:tcPr/>
+                </a:tc>
+                <a:extLst>
+                  <a:ext uri="{0D108BD9-81ED-4DB2-BD59-A6C34878D82A}">
+                    <a16:rowId xmlns:a16="http://schemas.microsoft.com/office/drawing/2014/main" val="2194462629"/>
+                  </a:ext>
+                </a:extLst>
+              </a:tr>
+            </a:tbl>
+          </a:graphicData>
+        </a:graphic>
+      </p:graphicFrame>
+      <p:graphicFrame>
+        <p:nvGraphicFramePr>
+          <p:cNvPr id="65" name="Table 64">
+            <a:extLst>
+              <a:ext uri="{FF2B5EF4-FFF2-40B4-BE49-F238E27FC236}">
+                <a16:creationId xmlns:a16="http://schemas.microsoft.com/office/drawing/2014/main" id="{38A8E4F8-BC8C-4CF5-88FA-C4C8F65D3965}"/>
+              </a:ext>
+            </a:extLst>
+          </p:cNvPr>
+          <p:cNvGraphicFramePr>
+            <a:graphicFrameLocks noGrp="1"/>
+          </p:cNvGraphicFramePr>
+          <p:nvPr>
+            <p:extLst>
+              <p:ext uri="{D42A27DB-BD31-4B8C-83A1-F6EECF244321}">
+                <p14:modId xmlns:p14="http://schemas.microsoft.com/office/powerpoint/2010/main" val="4123185316"/>
+              </p:ext>
+            </p:extLst>
+          </p:nvPr>
+        </p:nvGraphicFramePr>
+        <p:xfrm>
+          <a:off x="4894883" y="3886775"/>
+          <a:ext cx="2096326" cy="410363"/>
+        </p:xfrm>
+        <a:graphic>
+          <a:graphicData uri="http://schemas.openxmlformats.org/drawingml/2006/table">
+            <a:tbl>
+              <a:tblPr>
+                <a:tableStyleId>{638B1855-1B75-4FBE-930C-398BA8C253C6}</a:tableStyleId>
+              </a:tblPr>
+              <a:tblGrid>
+                <a:gridCol w="2096326">
+                  <a:extLst>
+                    <a:ext uri="{9D8B030D-6E8A-4147-A177-3AD203B41FA5}">
+                      <a16:colId xmlns:a16="http://schemas.microsoft.com/office/drawing/2014/main" val="4240773277"/>
+                    </a:ext>
+                  </a:extLst>
+                </a:gridCol>
+              </a:tblGrid>
+              <a:tr h="410363">
+                <a:tc>
+                  <a:txBody>
+                    <a:bodyPr/>
+                    <a:lstStyle/>
+                    <a:p>
+                      <a:pPr algn="ctr"/>
+                      <a:r>
+                        <a:rPr lang="en-SG" u="sng" dirty="0"/>
+                        <a:t>wb2:</a:t>
+                      </a:r>
+                      <a:r>
+                        <a:rPr lang="en-SG" sz="1800" u="sng" dirty="0"/>
+                        <a:t>WorkoutBook</a:t>
+                      </a:r>
+                      <a:endParaRPr lang="en-SG" sz="1600" u="sng" dirty="0"/>
+                    </a:p>
+                  </a:txBody>
+                  <a:tcPr/>
+                </a:tc>
+                <a:extLst>
+                  <a:ext uri="{0D108BD9-81ED-4DB2-BD59-A6C34878D82A}">
+                    <a16:rowId xmlns:a16="http://schemas.microsoft.com/office/drawing/2014/main" val="2194462629"/>
+                  </a:ext>
+                </a:extLst>
+              </a:tr>
+            </a:tbl>
+          </a:graphicData>
+        </a:graphic>
+      </p:graphicFrame>
+      <p:sp>
+        <p:nvSpPr>
+          <p:cNvPr id="66" name="Rectangle 65">
+            <a:extLst>
+              <a:ext uri="{FF2B5EF4-FFF2-40B4-BE49-F238E27FC236}">
+                <a16:creationId xmlns:a16="http://schemas.microsoft.com/office/drawing/2014/main" id="{B057D4C2-C81C-4A61-A3AA-6A8B8E60C0E8}"/>
+              </a:ext>
+            </a:extLst>
+          </p:cNvPr>
+          <p:cNvSpPr/>
+          <p:nvPr/>
+        </p:nvSpPr>
+        <p:spPr>
+          <a:xfrm>
+            <a:off x="387404" y="5124110"/>
+            <a:ext cx="11364686" cy="618187"/>
+          </a:xfrm>
+          <a:prstGeom prst="rect">
+            <a:avLst/>
+          </a:prstGeom>
+          <a:noFill/>
+          <a:ln>
+            <a:solidFill>
+              <a:schemeClr val="tx1"/>
+            </a:solidFill>
+          </a:ln>
+        </p:spPr>
+        <p:style>
+          <a:lnRef idx="2">
+            <a:schemeClr val="accent1">
+              <a:shade val="50000"/>
+            </a:schemeClr>
+          </a:lnRef>
+          <a:fillRef idx="1">
+            <a:schemeClr val="accent1"/>
+          </a:fillRef>
+          <a:effectRef idx="0">
+            <a:schemeClr val="accent1"/>
+          </a:effectRef>
+          <a:fontRef idx="minor">
+            <a:schemeClr val="lt1"/>
+          </a:fontRef>
+        </p:style>
+        <p:txBody>
+          <a:bodyPr rtlCol="0" anchor="ctr"/>
+          <a:lstStyle/>
+          <a:p>
+            <a:pPr algn="ctr"/>
+            <a:endParaRPr lang="en-US"/>
+          </a:p>
+        </p:txBody>
+      </p:sp>
     </p:spTree>
     <p:extLst>
       <p:ext uri="{BB962C8B-B14F-4D97-AF65-F5344CB8AC3E}">
